--- a/Documentation and Planning/Presentation and Turn In/FinalPresentation.pptx
+++ b/Documentation and Planning/Presentation and Turn In/FinalPresentation.pptx
@@ -5,17 +5,20 @@
     <p:sldMasterId id="2147483660" r:id="rId2"/>
   </p:sldMasterIdLst>
   <p:notesMasterIdLst>
-    <p:notesMasterId r:id="rId8"/>
+    <p:notesMasterId r:id="rId11"/>
   </p:notesMasterIdLst>
   <p:handoutMasterIdLst>
-    <p:handoutMasterId r:id="rId9"/>
+    <p:handoutMasterId r:id="rId12"/>
   </p:handoutMasterIdLst>
   <p:sldIdLst>
     <p:sldId id="257" r:id="rId3"/>
-    <p:sldId id="258" r:id="rId4"/>
-    <p:sldId id="259" r:id="rId5"/>
-    <p:sldId id="260" r:id="rId6"/>
-    <p:sldId id="261" r:id="rId7"/>
+    <p:sldId id="264" r:id="rId4"/>
+    <p:sldId id="265" r:id="rId5"/>
+    <p:sldId id="263" r:id="rId6"/>
+    <p:sldId id="258" r:id="rId7"/>
+    <p:sldId id="259" r:id="rId8"/>
+    <p:sldId id="260" r:id="rId9"/>
+    <p:sldId id="261" r:id="rId10"/>
   </p:sldIdLst>
   <p:sldSz cx="12188825" cy="6858000"/>
   <p:notesSz cx="6858000" cy="9144000"/>
@@ -5342,65 +5345,93 @@
           <a:p>
             <a:r>
               <a:rPr lang="en-US" dirty="0" smtClean="0"/>
-              <a:t>Audio</a:t>
+              <a:t>System Features</a:t>
             </a:r>
             <a:endParaRPr lang="en-US" dirty="0"/>
           </a:p>
         </p:txBody>
       </p:sp>
-      <p:pic>
-        <p:nvPicPr>
-          <p:cNvPr id="4" name="Picture 3"/>
-          <p:cNvPicPr>
-            <a:picLocks noChangeAspect="1"/>
-          </p:cNvPicPr>
-          <p:nvPr/>
-        </p:nvPicPr>
-        <p:blipFill>
-          <a:blip r:embed="rId2"/>
-          <a:stretch>
-            <a:fillRect/>
-          </a:stretch>
-        </p:blipFill>
-        <p:spPr>
-          <a:xfrm>
-            <a:off x="760412" y="1295400"/>
-            <a:ext cx="10715368" cy="5432684"/>
-          </a:xfrm>
-          <a:prstGeom prst="rect">
-            <a:avLst/>
-          </a:prstGeom>
-        </p:spPr>
-      </p:pic>
+      <p:sp>
+        <p:nvSpPr>
+          <p:cNvPr id="3" name="Content Placeholder 2"/>
+          <p:cNvSpPr>
+            <a:spLocks noGrp="1"/>
+          </p:cNvSpPr>
+          <p:nvPr>
+            <p:ph idx="1"/>
+          </p:nvPr>
+        </p:nvSpPr>
+        <p:spPr/>
+        <p:txBody>
+          <a:bodyPr>
+            <a:normAutofit lnSpcReduction="10000"/>
+          </a:bodyPr>
+          <a:lstStyle/>
+          <a:p>
+            <a:r>
+              <a:rPr lang="en-US" sz="3599" dirty="0"/>
+              <a:t>The ability to play, pause, cycle through mp3 files</a:t>
+            </a:r>
+          </a:p>
+          <a:p>
+            <a:r>
+              <a:rPr lang="en-US" sz="3599" dirty="0"/>
+              <a:t>The ability to add songs to custom playlists</a:t>
+            </a:r>
+          </a:p>
+          <a:p>
+            <a:r>
+              <a:rPr lang="en-US" sz="3599" dirty="0"/>
+              <a:t>The ability to find and browse songs by various </a:t>
+            </a:r>
+            <a:r>
+              <a:rPr lang="en-US" sz="3599" dirty="0" smtClean="0"/>
+              <a:t>tags</a:t>
+            </a:r>
+          </a:p>
+          <a:p>
+            <a:r>
+              <a:rPr lang="en-US" sz="3599" dirty="0" smtClean="0"/>
+              <a:t>Add and remove music folders to library</a:t>
+            </a:r>
+          </a:p>
+          <a:p>
+            <a:r>
+              <a:rPr lang="en-US" sz="3599" dirty="0" smtClean="0"/>
+              <a:t>Edit song, artist, album, and playlist information</a:t>
+            </a:r>
+            <a:endParaRPr lang="en-US" sz="3599" dirty="0"/>
+          </a:p>
+          <a:p>
+            <a:r>
+              <a:rPr lang="en-US" sz="3599" dirty="0"/>
+              <a:t>The ability to utilize Twitter to tweet about the song the user is listening to</a:t>
+            </a:r>
+          </a:p>
+        </p:txBody>
+      </p:sp>
     </p:spTree>
     <p:extLst>
       <p:ext uri="{BB962C8B-B14F-4D97-AF65-F5344CB8AC3E}">
-        <p14:creationId xmlns:p14="http://schemas.microsoft.com/office/powerpoint/2010/main" val="3914718311"/>
+        <p14:creationId xmlns:p14="http://schemas.microsoft.com/office/powerpoint/2010/main" val="1451312942"/>
       </p:ext>
     </p:extLst>
   </p:cSld>
   <p:clrMapOvr>
     <a:masterClrMapping/>
   </p:clrMapOvr>
-  <mc:AlternateContent xmlns:mc="http://schemas.openxmlformats.org/markup-compatibility/2006">
-    <mc:Choice xmlns:p14="http://schemas.microsoft.com/office/powerpoint/2010/main" Requires="p14">
+  <mc:AlternateContent xmlns:mc="http://schemas.openxmlformats.org/markup-compatibility/2006" xmlns:p14="http://schemas.microsoft.com/office/powerpoint/2010/main">
+    <mc:Choice Requires="p14">
       <p:transition spd="med" p14:dur="700">
         <p:fade/>
       </p:transition>
     </mc:Choice>
-    <mc:Fallback>
+    <mc:Fallback xmlns="">
       <p:transition spd="med">
         <p:fade/>
       </p:transition>
     </mc:Fallback>
   </mc:AlternateContent>
-  <p:timing>
-    <p:tnLst>
-      <p:par>
-        <p:cTn id="1" dur="indefinite" restart="never" nodeType="tmRoot"/>
-      </p:par>
-    </p:tnLst>
-  </p:timing>
 </p:sld>
 </file>
 
@@ -5438,53 +5469,90 @@
           <a:p>
             <a:r>
               <a:rPr lang="en-US" dirty="0" smtClean="0"/>
-              <a:t>System</a:t>
+              <a:t>System Architecture</a:t>
             </a:r>
             <a:endParaRPr lang="en-US" dirty="0"/>
           </a:p>
         </p:txBody>
       </p:sp>
-      <p:pic>
-        <p:nvPicPr>
-          <p:cNvPr id="5" name="Picture 4"/>
-          <p:cNvPicPr>
-            <a:picLocks noChangeAspect="1"/>
-          </p:cNvPicPr>
-          <p:nvPr/>
-        </p:nvPicPr>
-        <p:blipFill>
-          <a:blip r:embed="rId2"/>
-          <a:stretch>
-            <a:fillRect/>
-          </a:stretch>
-        </p:blipFill>
-        <p:spPr>
-          <a:xfrm>
-            <a:off x="4646612" y="247864"/>
-            <a:ext cx="7381009" cy="6403965"/>
-          </a:xfrm>
-          <a:prstGeom prst="rect">
-            <a:avLst/>
-          </a:prstGeom>
-        </p:spPr>
-      </p:pic>
+      <p:sp>
+        <p:nvSpPr>
+          <p:cNvPr id="3" name="Content Placeholder 2"/>
+          <p:cNvSpPr>
+            <a:spLocks noGrp="1"/>
+          </p:cNvSpPr>
+          <p:nvPr>
+            <p:ph idx="1"/>
+          </p:nvPr>
+        </p:nvSpPr>
+        <p:spPr/>
+        <p:txBody>
+          <a:bodyPr>
+            <a:normAutofit/>
+          </a:bodyPr>
+          <a:lstStyle/>
+          <a:p>
+            <a:r>
+              <a:rPr lang="en-US" sz="3599" dirty="0"/>
+              <a:t>We are using an MVC </a:t>
+            </a:r>
+            <a:r>
+              <a:rPr lang="en-US" sz="3599" dirty="0" smtClean="0"/>
+              <a:t>system architecture.  </a:t>
+            </a:r>
+            <a:endParaRPr lang="en-US" sz="3599" dirty="0"/>
+          </a:p>
+          <a:p>
+            <a:r>
+              <a:rPr lang="en-US" sz="3599" dirty="0" smtClean="0"/>
+              <a:t>We use the façade pattern with our </a:t>
+            </a:r>
+            <a:r>
+              <a:rPr lang="en-US" sz="3599" dirty="0" err="1" smtClean="0"/>
+              <a:t>AudioPlayer</a:t>
+            </a:r>
+            <a:r>
+              <a:rPr lang="en-US" sz="3599" dirty="0" smtClean="0"/>
+              <a:t> class</a:t>
+            </a:r>
+          </a:p>
+          <a:p>
+            <a:r>
+              <a:rPr lang="en-US" sz="3599" dirty="0" smtClean="0"/>
+              <a:t>We use singleton design for the </a:t>
+            </a:r>
+            <a:r>
+              <a:rPr lang="en-US" sz="3599" dirty="0" err="1" smtClean="0"/>
+              <a:t>RightClickMenu</a:t>
+            </a:r>
+            <a:endParaRPr lang="en-US" sz="3599" dirty="0" smtClean="0"/>
+          </a:p>
+          <a:p>
+            <a:r>
+              <a:rPr lang="en-US" sz="3599" dirty="0" smtClean="0"/>
+              <a:t>We use general hierarchy for the audio organization</a:t>
+            </a:r>
+            <a:endParaRPr lang="en-US" sz="3599" dirty="0"/>
+          </a:p>
+        </p:txBody>
+      </p:sp>
     </p:spTree>
     <p:extLst>
       <p:ext uri="{BB962C8B-B14F-4D97-AF65-F5344CB8AC3E}">
-        <p14:creationId xmlns:p14="http://schemas.microsoft.com/office/powerpoint/2010/main" val="415129009"/>
+        <p14:creationId xmlns:p14="http://schemas.microsoft.com/office/powerpoint/2010/main" val="43217570"/>
       </p:ext>
     </p:extLst>
   </p:cSld>
   <p:clrMapOvr>
     <a:masterClrMapping/>
   </p:clrMapOvr>
-  <mc:AlternateContent xmlns:mc="http://schemas.openxmlformats.org/markup-compatibility/2006">
-    <mc:Choice xmlns:p14="http://schemas.microsoft.com/office/powerpoint/2010/main" Requires="p14">
+  <mc:AlternateContent xmlns:mc="http://schemas.openxmlformats.org/markup-compatibility/2006" xmlns:p14="http://schemas.microsoft.com/office/powerpoint/2010/main">
+    <mc:Choice Requires="p14">
       <p:transition spd="med" p14:dur="700">
         <p:fade/>
       </p:transition>
     </mc:Choice>
-    <mc:Fallback>
+    <mc:Fallback xmlns="">
       <p:transition spd="med">
         <p:fade/>
       </p:transition>
@@ -5527,7 +5595,7 @@
           <a:p>
             <a:r>
               <a:rPr lang="en-US" dirty="0" smtClean="0"/>
-              <a:t>U</a:t>
+              <a:t>Full Diagram</a:t>
             </a:r>
             <a:endParaRPr lang="en-US" dirty="0"/>
           </a:p>
@@ -5535,7 +5603,7 @@
       </p:sp>
       <p:pic>
         <p:nvPicPr>
-          <p:cNvPr id="3" name="Picture 2"/>
+          <p:cNvPr id="4" name="Picture 3"/>
           <p:cNvPicPr>
             <a:picLocks noChangeAspect="1"/>
           </p:cNvPicPr>
@@ -5549,18 +5617,21 @@
         </p:blipFill>
         <p:spPr>
           <a:xfrm>
-            <a:off x="684212" y="1752600"/>
-            <a:ext cx="10744200" cy="2942583"/>
+            <a:off x="3427412" y="1498600"/>
+            <a:ext cx="5637529" cy="5038775"/>
           </a:xfrm>
           <a:prstGeom prst="rect">
             <a:avLst/>
           </a:prstGeom>
+          <a:solidFill>
+            <a:schemeClr val="tx1"/>
+          </a:solidFill>
         </p:spPr>
       </p:pic>
     </p:spTree>
     <p:extLst>
       <p:ext uri="{BB962C8B-B14F-4D97-AF65-F5344CB8AC3E}">
-        <p14:creationId xmlns:p14="http://schemas.microsoft.com/office/powerpoint/2010/main" val="2419820594"/>
+        <p14:creationId xmlns:p14="http://schemas.microsoft.com/office/powerpoint/2010/main" val="856240740"/>
       </p:ext>
     </p:extLst>
   </p:cSld>
@@ -5616,6 +5687,280 @@
           <a:p>
             <a:r>
               <a:rPr lang="en-US" dirty="0" smtClean="0"/>
+              <a:t>Audio</a:t>
+            </a:r>
+            <a:endParaRPr lang="en-US" dirty="0"/>
+          </a:p>
+        </p:txBody>
+      </p:sp>
+      <p:pic>
+        <p:nvPicPr>
+          <p:cNvPr id="4" name="Picture 3"/>
+          <p:cNvPicPr>
+            <a:picLocks noChangeAspect="1"/>
+          </p:cNvPicPr>
+          <p:nvPr/>
+        </p:nvPicPr>
+        <p:blipFill>
+          <a:blip r:embed="rId2"/>
+          <a:stretch>
+            <a:fillRect/>
+          </a:stretch>
+        </p:blipFill>
+        <p:spPr>
+          <a:xfrm>
+            <a:off x="760412" y="1295400"/>
+            <a:ext cx="10715368" cy="5432684"/>
+          </a:xfrm>
+          <a:prstGeom prst="rect">
+            <a:avLst/>
+          </a:prstGeom>
+        </p:spPr>
+      </p:pic>
+    </p:spTree>
+    <p:extLst>
+      <p:ext uri="{BB962C8B-B14F-4D97-AF65-F5344CB8AC3E}">
+        <p14:creationId xmlns:p14="http://schemas.microsoft.com/office/powerpoint/2010/main" val="3914718311"/>
+      </p:ext>
+    </p:extLst>
+  </p:cSld>
+  <p:clrMapOvr>
+    <a:masterClrMapping/>
+  </p:clrMapOvr>
+  <mc:AlternateContent xmlns:mc="http://schemas.openxmlformats.org/markup-compatibility/2006" xmlns:p14="http://schemas.microsoft.com/office/powerpoint/2010/main">
+    <mc:Choice Requires="p14">
+      <p:transition spd="med" p14:dur="700">
+        <p:fade/>
+      </p:transition>
+    </mc:Choice>
+    <mc:Fallback xmlns="">
+      <p:transition spd="med">
+        <p:fade/>
+      </p:transition>
+    </mc:Fallback>
+  </mc:AlternateContent>
+  <p:timing>
+    <p:tnLst>
+      <p:par>
+        <p:cTn id="1" dur="indefinite" restart="never" nodeType="tmRoot"/>
+      </p:par>
+    </p:tnLst>
+  </p:timing>
+</p:sld>
+</file>
+
+<file path=ppt/slides/slide6.xml><?xml version="1.0" encoding="utf-8"?>
+<p:sld xmlns:a="http://schemas.openxmlformats.org/drawingml/2006/main" xmlns:r="http://schemas.openxmlformats.org/officeDocument/2006/relationships" xmlns:p="http://schemas.openxmlformats.org/presentationml/2006/main">
+  <p:cSld>
+    <p:spTree>
+      <p:nvGrpSpPr>
+        <p:cNvPr id="1" name=""/>
+        <p:cNvGrpSpPr/>
+        <p:nvPr/>
+      </p:nvGrpSpPr>
+      <p:grpSpPr>
+        <a:xfrm>
+          <a:off x="0" y="0"/>
+          <a:ext cx="0" cy="0"/>
+          <a:chOff x="0" y="0"/>
+          <a:chExt cx="0" cy="0"/>
+        </a:xfrm>
+      </p:grpSpPr>
+      <p:sp>
+        <p:nvSpPr>
+          <p:cNvPr id="2" name="Title 1"/>
+          <p:cNvSpPr>
+            <a:spLocks noGrp="1"/>
+          </p:cNvSpPr>
+          <p:nvPr>
+            <p:ph type="title"/>
+          </p:nvPr>
+        </p:nvSpPr>
+        <p:spPr/>
+        <p:txBody>
+          <a:bodyPr/>
+          <a:lstStyle/>
+          <a:p>
+            <a:r>
+              <a:rPr lang="en-US" dirty="0" smtClean="0"/>
+              <a:t>System</a:t>
+            </a:r>
+            <a:endParaRPr lang="en-US" dirty="0"/>
+          </a:p>
+        </p:txBody>
+      </p:sp>
+      <p:pic>
+        <p:nvPicPr>
+          <p:cNvPr id="4" name="Picture 3"/>
+          <p:cNvPicPr>
+            <a:picLocks noChangeAspect="1"/>
+          </p:cNvPicPr>
+          <p:nvPr/>
+        </p:nvPicPr>
+        <p:blipFill>
+          <a:blip r:embed="rId2"/>
+          <a:stretch>
+            <a:fillRect/>
+          </a:stretch>
+        </p:blipFill>
+        <p:spPr>
+          <a:xfrm>
+            <a:off x="2817812" y="274637"/>
+            <a:ext cx="9125439" cy="6395643"/>
+          </a:xfrm>
+          <a:prstGeom prst="rect">
+            <a:avLst/>
+          </a:prstGeom>
+        </p:spPr>
+      </p:pic>
+    </p:spTree>
+    <p:extLst>
+      <p:ext uri="{BB962C8B-B14F-4D97-AF65-F5344CB8AC3E}">
+        <p14:creationId xmlns:p14="http://schemas.microsoft.com/office/powerpoint/2010/main" val="415129009"/>
+      </p:ext>
+    </p:extLst>
+  </p:cSld>
+  <p:clrMapOvr>
+    <a:masterClrMapping/>
+  </p:clrMapOvr>
+  <mc:AlternateContent xmlns:mc="http://schemas.openxmlformats.org/markup-compatibility/2006" xmlns:p14="http://schemas.microsoft.com/office/powerpoint/2010/main">
+    <mc:Choice Requires="p14">
+      <p:transition spd="med" p14:dur="700">
+        <p:fade/>
+      </p:transition>
+    </mc:Choice>
+    <mc:Fallback xmlns="">
+      <p:transition spd="med">
+        <p:fade/>
+      </p:transition>
+    </mc:Fallback>
+  </mc:AlternateContent>
+</p:sld>
+</file>
+
+<file path=ppt/slides/slide7.xml><?xml version="1.0" encoding="utf-8"?>
+<p:sld xmlns:a="http://schemas.openxmlformats.org/drawingml/2006/main" xmlns:r="http://schemas.openxmlformats.org/officeDocument/2006/relationships" xmlns:p="http://schemas.openxmlformats.org/presentationml/2006/main">
+  <p:cSld>
+    <p:spTree>
+      <p:nvGrpSpPr>
+        <p:cNvPr id="1" name=""/>
+        <p:cNvGrpSpPr/>
+        <p:nvPr/>
+      </p:nvGrpSpPr>
+      <p:grpSpPr>
+        <a:xfrm>
+          <a:off x="0" y="0"/>
+          <a:ext cx="0" cy="0"/>
+          <a:chOff x="0" y="0"/>
+          <a:chExt cx="0" cy="0"/>
+        </a:xfrm>
+      </p:grpSpPr>
+      <p:sp>
+        <p:nvSpPr>
+          <p:cNvPr id="2" name="Title 1"/>
+          <p:cNvSpPr>
+            <a:spLocks noGrp="1"/>
+          </p:cNvSpPr>
+          <p:nvPr>
+            <p:ph type="title"/>
+          </p:nvPr>
+        </p:nvSpPr>
+        <p:spPr/>
+        <p:txBody>
+          <a:bodyPr/>
+          <a:lstStyle/>
+          <a:p>
+            <a:r>
+              <a:rPr lang="en-US" dirty="0" smtClean="0"/>
+              <a:t>UI</a:t>
+            </a:r>
+            <a:endParaRPr lang="en-US" dirty="0"/>
+          </a:p>
+        </p:txBody>
+      </p:sp>
+      <p:pic>
+        <p:nvPicPr>
+          <p:cNvPr id="3" name="Picture 2"/>
+          <p:cNvPicPr>
+            <a:picLocks noChangeAspect="1"/>
+          </p:cNvPicPr>
+          <p:nvPr/>
+        </p:nvPicPr>
+        <p:blipFill>
+          <a:blip r:embed="rId2"/>
+          <a:stretch>
+            <a:fillRect/>
+          </a:stretch>
+        </p:blipFill>
+        <p:spPr>
+          <a:xfrm>
+            <a:off x="684212" y="1752600"/>
+            <a:ext cx="10744200" cy="2942583"/>
+          </a:xfrm>
+          <a:prstGeom prst="rect">
+            <a:avLst/>
+          </a:prstGeom>
+        </p:spPr>
+      </p:pic>
+    </p:spTree>
+    <p:extLst>
+      <p:ext uri="{BB962C8B-B14F-4D97-AF65-F5344CB8AC3E}">
+        <p14:creationId xmlns:p14="http://schemas.microsoft.com/office/powerpoint/2010/main" val="2419820594"/>
+      </p:ext>
+    </p:extLst>
+  </p:cSld>
+  <p:clrMapOvr>
+    <a:masterClrMapping/>
+  </p:clrMapOvr>
+  <mc:AlternateContent xmlns:mc="http://schemas.openxmlformats.org/markup-compatibility/2006" xmlns:p14="http://schemas.microsoft.com/office/powerpoint/2010/main">
+    <mc:Choice Requires="p14">
+      <p:transition spd="med" p14:dur="700">
+        <p:fade/>
+      </p:transition>
+    </mc:Choice>
+    <mc:Fallback xmlns="">
+      <p:transition spd="med">
+        <p:fade/>
+      </p:transition>
+    </mc:Fallback>
+  </mc:AlternateContent>
+</p:sld>
+</file>
+
+<file path=ppt/slides/slide8.xml><?xml version="1.0" encoding="utf-8"?>
+<p:sld xmlns:a="http://schemas.openxmlformats.org/drawingml/2006/main" xmlns:r="http://schemas.openxmlformats.org/officeDocument/2006/relationships" xmlns:p="http://schemas.openxmlformats.org/presentationml/2006/main">
+  <p:cSld>
+    <p:spTree>
+      <p:nvGrpSpPr>
+        <p:cNvPr id="1" name=""/>
+        <p:cNvGrpSpPr/>
+        <p:nvPr/>
+      </p:nvGrpSpPr>
+      <p:grpSpPr>
+        <a:xfrm>
+          <a:off x="0" y="0"/>
+          <a:ext cx="0" cy="0"/>
+          <a:chOff x="0" y="0"/>
+          <a:chExt cx="0" cy="0"/>
+        </a:xfrm>
+      </p:grpSpPr>
+      <p:sp>
+        <p:nvSpPr>
+          <p:cNvPr id="2" name="Title 1"/>
+          <p:cNvSpPr>
+            <a:spLocks noGrp="1"/>
+          </p:cNvSpPr>
+          <p:nvPr>
+            <p:ph type="title"/>
+          </p:nvPr>
+        </p:nvSpPr>
+        <p:spPr/>
+        <p:txBody>
+          <a:bodyPr/>
+          <a:lstStyle/>
+          <a:p>
+            <a:r>
+              <a:rPr lang="en-US" dirty="0" smtClean="0"/>
               <a:t>Tools</a:t>
             </a:r>
             <a:endParaRPr lang="en-US" dirty="0"/>
@@ -5656,13 +6001,13 @@
   <p:clrMapOvr>
     <a:masterClrMapping/>
   </p:clrMapOvr>
-  <mc:AlternateContent xmlns:mc="http://schemas.openxmlformats.org/markup-compatibility/2006">
-    <mc:Choice xmlns:p14="http://schemas.microsoft.com/office/powerpoint/2010/main" Requires="p14">
+  <mc:AlternateContent xmlns:mc="http://schemas.openxmlformats.org/markup-compatibility/2006" xmlns:p14="http://schemas.microsoft.com/office/powerpoint/2010/main">
+    <mc:Choice Requires="p14">
       <p:transition spd="med" p14:dur="700">
         <p:fade/>
       </p:transition>
     </mc:Choice>
-    <mc:Fallback>
+    <mc:Fallback xmlns="">
       <p:transition spd="med">
         <p:fade/>
       </p:transition>
